--- a/Installation of Wireshark.pptx
+++ b/Installation of Wireshark.pptx
@@ -114,6 +114,11 @@
       </a:defRPr>
     </a:lvl9pPr>
   </p:defaultTextStyle>
+  <p:extLst>
+    <p:ext uri="{EFAFB233-063F-42B5-8137-9DF3F51BA10A}">
+      <p15:sldGuideLst xmlns:p15="http://schemas.microsoft.com/office/powerpoint/2012/main"/>
+    </p:ext>
+  </p:extLst>
 </p:presentation>
 </file>
 
@@ -264,7 +269,7 @@
           <a:p>
             <a:fld id="{AFF766EC-6D35-45F7-BE92-B419FE6B11A7}" type="datetimeFigureOut">
               <a:rPr lang="ko-KR" altLang="en-US" smtClean="0"/>
-              <a:t>2018-11-15</a:t>
+              <a:t>2018-11-18</a:t>
             </a:fld>
             <a:endParaRPr lang="ko-KR" altLang="en-US"/>
           </a:p>
@@ -462,7 +467,7 @@
           <a:p>
             <a:fld id="{AFF766EC-6D35-45F7-BE92-B419FE6B11A7}" type="datetimeFigureOut">
               <a:rPr lang="ko-KR" altLang="en-US" smtClean="0"/>
-              <a:t>2018-11-15</a:t>
+              <a:t>2018-11-18</a:t>
             </a:fld>
             <a:endParaRPr lang="ko-KR" altLang="en-US"/>
           </a:p>
@@ -670,7 +675,7 @@
           <a:p>
             <a:fld id="{AFF766EC-6D35-45F7-BE92-B419FE6B11A7}" type="datetimeFigureOut">
               <a:rPr lang="ko-KR" altLang="en-US" smtClean="0"/>
-              <a:t>2018-11-15</a:t>
+              <a:t>2018-11-18</a:t>
             </a:fld>
             <a:endParaRPr lang="ko-KR" altLang="en-US"/>
           </a:p>
@@ -869,7 +874,7 @@
           <a:p>
             <a:fld id="{AFF766EC-6D35-45F7-BE92-B419FE6B11A7}" type="datetimeFigureOut">
               <a:rPr lang="ko-KR" altLang="en-US" smtClean="0"/>
-              <a:t>2018-11-15</a:t>
+              <a:t>2018-11-18</a:t>
             </a:fld>
             <a:endParaRPr lang="ko-KR" altLang="en-US"/>
           </a:p>
@@ -1144,7 +1149,7 @@
           <a:p>
             <a:fld id="{AFF766EC-6D35-45F7-BE92-B419FE6B11A7}" type="datetimeFigureOut">
               <a:rPr lang="ko-KR" altLang="en-US" smtClean="0"/>
-              <a:t>2018-11-15</a:t>
+              <a:t>2018-11-18</a:t>
             </a:fld>
             <a:endParaRPr lang="ko-KR" altLang="en-US"/>
           </a:p>
@@ -1409,7 +1414,7 @@
           <a:p>
             <a:fld id="{AFF766EC-6D35-45F7-BE92-B419FE6B11A7}" type="datetimeFigureOut">
               <a:rPr lang="ko-KR" altLang="en-US" smtClean="0"/>
-              <a:t>2018-11-15</a:t>
+              <a:t>2018-11-18</a:t>
             </a:fld>
             <a:endParaRPr lang="ko-KR" altLang="en-US"/>
           </a:p>
@@ -1821,7 +1826,7 @@
           <a:p>
             <a:fld id="{AFF766EC-6D35-45F7-BE92-B419FE6B11A7}" type="datetimeFigureOut">
               <a:rPr lang="ko-KR" altLang="en-US" smtClean="0"/>
-              <a:t>2018-11-15</a:t>
+              <a:t>2018-11-18</a:t>
             </a:fld>
             <a:endParaRPr lang="ko-KR" altLang="en-US"/>
           </a:p>
@@ -1962,7 +1967,7 @@
           <a:p>
             <a:fld id="{AFF766EC-6D35-45F7-BE92-B419FE6B11A7}" type="datetimeFigureOut">
               <a:rPr lang="ko-KR" altLang="en-US" smtClean="0"/>
-              <a:t>2018-11-15</a:t>
+              <a:t>2018-11-18</a:t>
             </a:fld>
             <a:endParaRPr lang="ko-KR" altLang="en-US"/>
           </a:p>
@@ -2075,7 +2080,7 @@
           <a:p>
             <a:fld id="{AFF766EC-6D35-45F7-BE92-B419FE6B11A7}" type="datetimeFigureOut">
               <a:rPr lang="ko-KR" altLang="en-US" smtClean="0"/>
-              <a:t>2018-11-15</a:t>
+              <a:t>2018-11-18</a:t>
             </a:fld>
             <a:endParaRPr lang="ko-KR" altLang="en-US"/>
           </a:p>
@@ -2386,7 +2391,7 @@
           <a:p>
             <a:fld id="{AFF766EC-6D35-45F7-BE92-B419FE6B11A7}" type="datetimeFigureOut">
               <a:rPr lang="ko-KR" altLang="en-US" smtClean="0"/>
-              <a:t>2018-11-15</a:t>
+              <a:t>2018-11-18</a:t>
             </a:fld>
             <a:endParaRPr lang="ko-KR" altLang="en-US"/>
           </a:p>
@@ -2674,7 +2679,7 @@
           <a:p>
             <a:fld id="{AFF766EC-6D35-45F7-BE92-B419FE6B11A7}" type="datetimeFigureOut">
               <a:rPr lang="ko-KR" altLang="en-US" smtClean="0"/>
-              <a:t>2018-11-15</a:t>
+              <a:t>2018-11-18</a:t>
             </a:fld>
             <a:endParaRPr lang="ko-KR" altLang="en-US"/>
           </a:p>
@@ -2915,7 +2920,7 @@
           <a:p>
             <a:fld id="{AFF766EC-6D35-45F7-BE92-B419FE6B11A7}" type="datetimeFigureOut">
               <a:rPr lang="ko-KR" altLang="en-US" smtClean="0"/>
-              <a:t>2018-11-15</a:t>
+              <a:t>2018-11-18</a:t>
             </a:fld>
             <a:endParaRPr lang="ko-KR" altLang="en-US"/>
           </a:p>
@@ -3384,7 +3389,15 @@
           <a:p>
             <a:r>
               <a:rPr lang="en-US" altLang="ko-KR" dirty="0"/>
-              <a:t>Signed by Leader</a:t>
+              <a:t>Signed by </a:t>
+            </a:r>
+            <a:r>
+              <a:rPr lang="en-US" altLang="ko-KR" dirty="0" err="1"/>
+              <a:t>HyoenGyu</a:t>
+            </a:r>
+            <a:r>
+              <a:rPr lang="en-US" altLang="ko-KR" sz="1800" dirty="0"/>
+              <a:t>(Member_2)</a:t>
             </a:r>
             <a:endParaRPr lang="ko-KR" altLang="en-US" dirty="0"/>
           </a:p>

--- a/Installation of Wireshark.pptx
+++ b/Installation of Wireshark.pptx
@@ -114,7 +114,41 @@
       </a:defRPr>
     </a:lvl9pPr>
   </p:defaultTextStyle>
+  <p:extLst>
+    <p:ext uri="{EFAFB233-063F-42B5-8137-9DF3F51BA10A}">
+      <p15:sldGuideLst xmlns:p15="http://schemas.microsoft.com/office/powerpoint/2012/main"/>
+    </p:ext>
+  </p:extLst>
 </p:presentation>
+</file>
+
+<file path=ppt/changesInfos/changesInfo1.xml><?xml version="1.0" encoding="utf-8"?>
+<pc:chgInfo xmlns:a="http://schemas.openxmlformats.org/drawingml/2006/main" xmlns:r="http://schemas.openxmlformats.org/officeDocument/2006/relationships" xmlns:ac="http://schemas.microsoft.com/office/drawing/2013/main/command" xmlns:pc="http://schemas.microsoft.com/office/powerpoint/2013/main/command">
+  <pc:docChgLst>
+    <pc:chgData name="SUZIE JUNG" userId="4c4babab505e2a48" providerId="LiveId" clId="{3315D467-3147-4933-A1BB-E4E75DD22B76}"/>
+    <pc:docChg chg="modSld">
+      <pc:chgData name="SUZIE JUNG" userId="4c4babab505e2a48" providerId="LiveId" clId="{3315D467-3147-4933-A1BB-E4E75DD22B76}" dt="2018-11-18T12:38:00.644" v="19" actId="20577"/>
+      <pc:docMkLst>
+        <pc:docMk/>
+      </pc:docMkLst>
+      <pc:sldChg chg="modSp">
+        <pc:chgData name="SUZIE JUNG" userId="4c4babab505e2a48" providerId="LiveId" clId="{3315D467-3147-4933-A1BB-E4E75DD22B76}" dt="2018-11-18T12:38:00.644" v="19" actId="20577"/>
+        <pc:sldMkLst>
+          <pc:docMk/>
+          <pc:sldMk cId="1401749748" sldId="256"/>
+        </pc:sldMkLst>
+        <pc:spChg chg="mod">
+          <ac:chgData name="SUZIE JUNG" userId="4c4babab505e2a48" providerId="LiveId" clId="{3315D467-3147-4933-A1BB-E4E75DD22B76}" dt="2018-11-18T12:38:00.644" v="19" actId="20577"/>
+          <ac:spMkLst>
+            <pc:docMk/>
+            <pc:sldMk cId="1401749748" sldId="256"/>
+            <ac:spMk id="3" creationId="{FDA5A931-225C-488A-B464-2BFA9D12C4AA}"/>
+          </ac:spMkLst>
+        </pc:spChg>
+      </pc:sldChg>
+    </pc:docChg>
+  </pc:docChgLst>
+</pc:chgInfo>
 </file>
 
 <file path=ppt/slideLayouts/slideLayout1.xml><?xml version="1.0" encoding="utf-8"?>
@@ -264,7 +298,7 @@
           <a:p>
             <a:fld id="{AFF766EC-6D35-45F7-BE92-B419FE6B11A7}" type="datetimeFigureOut">
               <a:rPr lang="ko-KR" altLang="en-US" smtClean="0"/>
-              <a:t>2018-11-15</a:t>
+              <a:t>2018-11-18</a:t>
             </a:fld>
             <a:endParaRPr lang="ko-KR" altLang="en-US"/>
           </a:p>
@@ -462,7 +496,7 @@
           <a:p>
             <a:fld id="{AFF766EC-6D35-45F7-BE92-B419FE6B11A7}" type="datetimeFigureOut">
               <a:rPr lang="ko-KR" altLang="en-US" smtClean="0"/>
-              <a:t>2018-11-15</a:t>
+              <a:t>2018-11-18</a:t>
             </a:fld>
             <a:endParaRPr lang="ko-KR" altLang="en-US"/>
           </a:p>
@@ -670,7 +704,7 @@
           <a:p>
             <a:fld id="{AFF766EC-6D35-45F7-BE92-B419FE6B11A7}" type="datetimeFigureOut">
               <a:rPr lang="ko-KR" altLang="en-US" smtClean="0"/>
-              <a:t>2018-11-15</a:t>
+              <a:t>2018-11-18</a:t>
             </a:fld>
             <a:endParaRPr lang="ko-KR" altLang="en-US"/>
           </a:p>
@@ -869,7 +903,7 @@
           <a:p>
             <a:fld id="{AFF766EC-6D35-45F7-BE92-B419FE6B11A7}" type="datetimeFigureOut">
               <a:rPr lang="ko-KR" altLang="en-US" smtClean="0"/>
-              <a:t>2018-11-15</a:t>
+              <a:t>2018-11-18</a:t>
             </a:fld>
             <a:endParaRPr lang="ko-KR" altLang="en-US"/>
           </a:p>
@@ -1144,7 +1178,7 @@
           <a:p>
             <a:fld id="{AFF766EC-6D35-45F7-BE92-B419FE6B11A7}" type="datetimeFigureOut">
               <a:rPr lang="ko-KR" altLang="en-US" smtClean="0"/>
-              <a:t>2018-11-15</a:t>
+              <a:t>2018-11-18</a:t>
             </a:fld>
             <a:endParaRPr lang="ko-KR" altLang="en-US"/>
           </a:p>
@@ -1409,7 +1443,7 @@
           <a:p>
             <a:fld id="{AFF766EC-6D35-45F7-BE92-B419FE6B11A7}" type="datetimeFigureOut">
               <a:rPr lang="ko-KR" altLang="en-US" smtClean="0"/>
-              <a:t>2018-11-15</a:t>
+              <a:t>2018-11-18</a:t>
             </a:fld>
             <a:endParaRPr lang="ko-KR" altLang="en-US"/>
           </a:p>
@@ -1821,7 +1855,7 @@
           <a:p>
             <a:fld id="{AFF766EC-6D35-45F7-BE92-B419FE6B11A7}" type="datetimeFigureOut">
               <a:rPr lang="ko-KR" altLang="en-US" smtClean="0"/>
-              <a:t>2018-11-15</a:t>
+              <a:t>2018-11-18</a:t>
             </a:fld>
             <a:endParaRPr lang="ko-KR" altLang="en-US"/>
           </a:p>
@@ -1962,7 +1996,7 @@
           <a:p>
             <a:fld id="{AFF766EC-6D35-45F7-BE92-B419FE6B11A7}" type="datetimeFigureOut">
               <a:rPr lang="ko-KR" altLang="en-US" smtClean="0"/>
-              <a:t>2018-11-15</a:t>
+              <a:t>2018-11-18</a:t>
             </a:fld>
             <a:endParaRPr lang="ko-KR" altLang="en-US"/>
           </a:p>
@@ -2075,7 +2109,7 @@
           <a:p>
             <a:fld id="{AFF766EC-6D35-45F7-BE92-B419FE6B11A7}" type="datetimeFigureOut">
               <a:rPr lang="ko-KR" altLang="en-US" smtClean="0"/>
-              <a:t>2018-11-15</a:t>
+              <a:t>2018-11-18</a:t>
             </a:fld>
             <a:endParaRPr lang="ko-KR" altLang="en-US"/>
           </a:p>
@@ -2386,7 +2420,7 @@
           <a:p>
             <a:fld id="{AFF766EC-6D35-45F7-BE92-B419FE6B11A7}" type="datetimeFigureOut">
               <a:rPr lang="ko-KR" altLang="en-US" smtClean="0"/>
-              <a:t>2018-11-15</a:t>
+              <a:t>2018-11-18</a:t>
             </a:fld>
             <a:endParaRPr lang="ko-KR" altLang="en-US"/>
           </a:p>
@@ -2674,7 +2708,7 @@
           <a:p>
             <a:fld id="{AFF766EC-6D35-45F7-BE92-B419FE6B11A7}" type="datetimeFigureOut">
               <a:rPr lang="ko-KR" altLang="en-US" smtClean="0"/>
-              <a:t>2018-11-15</a:t>
+              <a:t>2018-11-18</a:t>
             </a:fld>
             <a:endParaRPr lang="ko-KR" altLang="en-US"/>
           </a:p>
@@ -2915,7 +2949,7 @@
           <a:p>
             <a:fld id="{AFF766EC-6D35-45F7-BE92-B419FE6B11A7}" type="datetimeFigureOut">
               <a:rPr lang="ko-KR" altLang="en-US" smtClean="0"/>
-              <a:t>2018-11-15</a:t>
+              <a:t>2018-11-18</a:t>
             </a:fld>
             <a:endParaRPr lang="ko-KR" altLang="en-US"/>
           </a:p>
@@ -3384,7 +3418,11 @@
           <a:p>
             <a:r>
               <a:rPr lang="en-US" altLang="ko-KR" dirty="0"/>
-              <a:t>Signed by Leader</a:t>
+              <a:t>Signed </a:t>
+            </a:r>
+            <a:r>
+              <a:rPr lang="en-US" altLang="ko-KR"/>
+              <a:t>by Member_2</a:t>
             </a:r>
             <a:endParaRPr lang="ko-KR" altLang="en-US" dirty="0"/>
           </a:p>
